--- a/[190722]流程圖.pptx
+++ b/[190722]流程圖.pptx
@@ -246,7 +246,7 @@
           <a:p>
             <a:fld id="{84EC4D4A-CAB2-4037-A873-BAC280AED7E2}" type="datetimeFigureOut">
               <a:rPr lang="zh-TW" altLang="en-US" smtClean="0"/>
-              <a:t>2019/7/20</a:t>
+              <a:t>2019/7/22</a:t>
             </a:fld>
             <a:endParaRPr lang="zh-TW" altLang="en-US"/>
           </a:p>
@@ -416,7 +416,7 @@
           <a:p>
             <a:fld id="{84EC4D4A-CAB2-4037-A873-BAC280AED7E2}" type="datetimeFigureOut">
               <a:rPr lang="zh-TW" altLang="en-US" smtClean="0"/>
-              <a:t>2019/7/20</a:t>
+              <a:t>2019/7/22</a:t>
             </a:fld>
             <a:endParaRPr lang="zh-TW" altLang="en-US"/>
           </a:p>
@@ -596,7 +596,7 @@
           <a:p>
             <a:fld id="{84EC4D4A-CAB2-4037-A873-BAC280AED7E2}" type="datetimeFigureOut">
               <a:rPr lang="zh-TW" altLang="en-US" smtClean="0"/>
-              <a:t>2019/7/20</a:t>
+              <a:t>2019/7/22</a:t>
             </a:fld>
             <a:endParaRPr lang="zh-TW" altLang="en-US"/>
           </a:p>
@@ -766,7 +766,7 @@
           <a:p>
             <a:fld id="{84EC4D4A-CAB2-4037-A873-BAC280AED7E2}" type="datetimeFigureOut">
               <a:rPr lang="zh-TW" altLang="en-US" smtClean="0"/>
-              <a:t>2019/7/20</a:t>
+              <a:t>2019/7/22</a:t>
             </a:fld>
             <a:endParaRPr lang="zh-TW" altLang="en-US"/>
           </a:p>
@@ -1012,7 +1012,7 @@
           <a:p>
             <a:fld id="{84EC4D4A-CAB2-4037-A873-BAC280AED7E2}" type="datetimeFigureOut">
               <a:rPr lang="zh-TW" altLang="en-US" smtClean="0"/>
-              <a:t>2019/7/20</a:t>
+              <a:t>2019/7/22</a:t>
             </a:fld>
             <a:endParaRPr lang="zh-TW" altLang="en-US"/>
           </a:p>
@@ -1244,7 +1244,7 @@
           <a:p>
             <a:fld id="{84EC4D4A-CAB2-4037-A873-BAC280AED7E2}" type="datetimeFigureOut">
               <a:rPr lang="zh-TW" altLang="en-US" smtClean="0"/>
-              <a:t>2019/7/20</a:t>
+              <a:t>2019/7/22</a:t>
             </a:fld>
             <a:endParaRPr lang="zh-TW" altLang="en-US"/>
           </a:p>
@@ -1611,7 +1611,7 @@
           <a:p>
             <a:fld id="{84EC4D4A-CAB2-4037-A873-BAC280AED7E2}" type="datetimeFigureOut">
               <a:rPr lang="zh-TW" altLang="en-US" smtClean="0"/>
-              <a:t>2019/7/20</a:t>
+              <a:t>2019/7/22</a:t>
             </a:fld>
             <a:endParaRPr lang="zh-TW" altLang="en-US"/>
           </a:p>
@@ -1729,7 +1729,7 @@
           <a:p>
             <a:fld id="{84EC4D4A-CAB2-4037-A873-BAC280AED7E2}" type="datetimeFigureOut">
               <a:rPr lang="zh-TW" altLang="en-US" smtClean="0"/>
-              <a:t>2019/7/20</a:t>
+              <a:t>2019/7/22</a:t>
             </a:fld>
             <a:endParaRPr lang="zh-TW" altLang="en-US"/>
           </a:p>
@@ -1824,7 +1824,7 @@
           <a:p>
             <a:fld id="{84EC4D4A-CAB2-4037-A873-BAC280AED7E2}" type="datetimeFigureOut">
               <a:rPr lang="zh-TW" altLang="en-US" smtClean="0"/>
-              <a:t>2019/7/20</a:t>
+              <a:t>2019/7/22</a:t>
             </a:fld>
             <a:endParaRPr lang="zh-TW" altLang="en-US"/>
           </a:p>
@@ -2101,7 +2101,7 @@
           <a:p>
             <a:fld id="{84EC4D4A-CAB2-4037-A873-BAC280AED7E2}" type="datetimeFigureOut">
               <a:rPr lang="zh-TW" altLang="en-US" smtClean="0"/>
-              <a:t>2019/7/20</a:t>
+              <a:t>2019/7/22</a:t>
             </a:fld>
             <a:endParaRPr lang="zh-TW" altLang="en-US"/>
           </a:p>
@@ -2354,7 +2354,7 @@
           <a:p>
             <a:fld id="{84EC4D4A-CAB2-4037-A873-BAC280AED7E2}" type="datetimeFigureOut">
               <a:rPr lang="zh-TW" altLang="en-US" smtClean="0"/>
-              <a:t>2019/7/20</a:t>
+              <a:t>2019/7/22</a:t>
             </a:fld>
             <a:endParaRPr lang="zh-TW" altLang="en-US"/>
           </a:p>
@@ -2567,7 +2567,7 @@
           <a:p>
             <a:fld id="{84EC4D4A-CAB2-4037-A873-BAC280AED7E2}" type="datetimeFigureOut">
               <a:rPr lang="zh-TW" altLang="en-US" smtClean="0"/>
-              <a:t>2019/7/20</a:t>
+              <a:t>2019/7/22</a:t>
             </a:fld>
             <a:endParaRPr lang="zh-TW" altLang="en-US"/>
           </a:p>
@@ -4363,10 +4363,6 @@
                         </a:rPr>
                         <a:t>,</a:t>
                       </a:r>
-                      <a:endParaRPr lang="en-US" altLang="zh-TW" sz="2000" dirty="0" smtClean="0">
-                        <a:latin typeface="Times New Roman" panose="02020603050405020304" pitchFamily="18" charset="0"/>
-                        <a:cs typeface="Times New Roman" panose="02020603050405020304" pitchFamily="18" charset="0"/>
-                      </a:endParaRPr>
                     </a:p>
                     <a:p>
                       <a:r>
